--- a/Slides/Lecture05 - Dependency Injection, Unit Testing EF.pptx
+++ b/Slides/Lecture05 - Dependency Injection, Unit Testing EF.pptx
@@ -5,10 +5,10 @@
     <p:sldMasterId id="2147484082" r:id="rId4"/>
   </p:sldMasterIdLst>
   <p:notesMasterIdLst>
-    <p:notesMasterId r:id="rId27"/>
+    <p:notesMasterId r:id="rId28"/>
   </p:notesMasterIdLst>
   <p:handoutMasterIdLst>
-    <p:handoutMasterId r:id="rId28"/>
+    <p:handoutMasterId r:id="rId29"/>
   </p:handoutMasterIdLst>
   <p:sldIdLst>
     <p:sldId id="880" r:id="rId5"/>
@@ -31,8 +31,9 @@
     <p:sldId id="890" r:id="rId22"/>
     <p:sldId id="899" r:id="rId23"/>
     <p:sldId id="900" r:id="rId24"/>
-    <p:sldId id="902" r:id="rId25"/>
-    <p:sldId id="905" r:id="rId26"/>
+    <p:sldId id="907" r:id="rId25"/>
+    <p:sldId id="902" r:id="rId26"/>
+    <p:sldId id="905" r:id="rId27"/>
   </p:sldIdLst>
   <p:sldSz cx="9326563" cy="6994525"/>
   <p:notesSz cx="6858000" cy="9144000"/>
@@ -156,6 +157,7 @@
             <p14:sldId id="890"/>
             <p14:sldId id="899"/>
             <p14:sldId id="900"/>
+            <p14:sldId id="907"/>
             <p14:sldId id="902"/>
             <p14:sldId id="905"/>
           </p14:sldIdLst>
@@ -376,7 +378,7 @@
               <a:rPr lang="en-US" smtClean="0">
                 <a:latin typeface="Segoe UI" pitchFamily="34" charset="0"/>
               </a:rPr>
-              <a:t>9/27/2017</a:t>
+              <a:t>9/28/2017</a:t>
             </a:fld>
             <a:endParaRPr lang="en-US" dirty="0">
               <a:latin typeface="Segoe UI" pitchFamily="34" charset="0"/>
@@ -699,7 +701,7 @@
             <a:fld id="{D51B1278-D92B-4AF3-A9C1-71DD298190CE}" type="datetimeFigureOut">
               <a:rPr lang="en-US" smtClean="0"/>
               <a:pPr/>
-              <a:t>9/27/2017</a:t>
+              <a:t>9/28/2017</a:t>
             </a:fld>
             <a:endParaRPr lang="en-US" dirty="0"/>
           </a:p>
@@ -6694,7 +6696,7 @@
         <p:spPr bwMode="auto">
           <a:xfrm>
             <a:off x="731404" y="4159859"/>
-            <a:ext cx="3017487" cy="1463024"/>
+            <a:ext cx="3200365" cy="1074744"/>
           </a:xfrm>
           <a:prstGeom prst="rect">
             <a:avLst/>
@@ -6746,7 +6748,17 @@
                   <a:schemeClr val="bg1"/>
                 </a:solidFill>
               </a:rPr>
-              <a:t> test the ”System Under Test”</a:t>
+              <a:t> test the </a:t>
+            </a:r>
+          </a:p>
+          <a:p>
+            <a:r>
+              <a:rPr lang="da-DK" sz="2400" dirty="0">
+                <a:solidFill>
+                  <a:schemeClr val="bg1"/>
+                </a:solidFill>
+              </a:rPr>
+              <a:t>”System Under Test”</a:t>
             </a:r>
           </a:p>
         </p:txBody>
@@ -9930,6 +9942,630 @@
     <p:bg>
       <p:bgPr>
         <a:solidFill>
+          <a:schemeClr val="tx1"/>
+        </a:solidFill>
+        <a:effectLst/>
+      </p:bgPr>
+    </p:bg>
+    <p:spTree>
+      <p:nvGrpSpPr>
+        <p:cNvPr id="1" name=""/>
+        <p:cNvGrpSpPr/>
+        <p:nvPr/>
+      </p:nvGrpSpPr>
+      <p:grpSpPr>
+        <a:xfrm>
+          <a:off x="0" y="0"/>
+          <a:ext cx="0" cy="0"/>
+          <a:chOff x="0" y="0"/>
+          <a:chExt cx="0" cy="0"/>
+        </a:xfrm>
+      </p:grpSpPr>
+      <p:sp>
+        <p:nvSpPr>
+          <p:cNvPr id="2" name="Rectangle 1">
+            <a:extLst>
+              <a:ext uri="{FF2B5EF4-FFF2-40B4-BE49-F238E27FC236}">
+                <a16:creationId xmlns:a16="http://schemas.microsoft.com/office/drawing/2014/main" id="{516C630B-9511-404C-83EA-905DB27CC51C}"/>
+              </a:ext>
+            </a:extLst>
+          </p:cNvPr>
+          <p:cNvSpPr/>
+          <p:nvPr/>
+        </p:nvSpPr>
+        <p:spPr>
+          <a:xfrm>
+            <a:off x="365648" y="2272796"/>
+            <a:ext cx="8778144" cy="3693319"/>
+          </a:xfrm>
+          <a:prstGeom prst="rect">
+            <a:avLst/>
+          </a:prstGeom>
+        </p:spPr>
+        <p:txBody>
+          <a:bodyPr wrap="square">
+            <a:spAutoFit/>
+          </a:bodyPr>
+          <a:lstStyle/>
+          <a:p>
+            <a:r>
+              <a:rPr lang="en-US" dirty="0">
+                <a:solidFill>
+                  <a:srgbClr val="008000"/>
+                </a:solidFill>
+                <a:latin typeface="Consolas" panose="020B0609020204030204" pitchFamily="49" charset="0"/>
+              </a:rPr>
+              <a:t>// In Memory </a:t>
+            </a:r>
+            <a:r>
+              <a:rPr lang="en-US" dirty="0" err="1">
+                <a:solidFill>
+                  <a:srgbClr val="008000"/>
+                </a:solidFill>
+                <a:latin typeface="Consolas" panose="020B0609020204030204" pitchFamily="49" charset="0"/>
+              </a:rPr>
+              <a:t>Database:</a:t>
+            </a:r>
+            <a:r>
+              <a:rPr lang="en-US" dirty="0" err="1"/>
+              <a:t>emory</a:t>
+            </a:r>
+            <a:r>
+              <a:rPr lang="en-US" dirty="0"/>
+              <a:t> Database:</a:t>
+            </a:r>
+          </a:p>
+          <a:p>
+            <a:r>
+              <a:rPr lang="en-US" dirty="0" err="1">
+                <a:solidFill>
+                  <a:srgbClr val="0000FF"/>
+                </a:solidFill>
+                <a:latin typeface="Consolas" panose="020B0609020204030204" pitchFamily="49" charset="0"/>
+              </a:rPr>
+              <a:t>var</a:t>
+            </a:r>
+            <a:r>
+              <a:rPr lang="en-US" dirty="0">
+                <a:solidFill>
+                  <a:srgbClr val="000000"/>
+                </a:solidFill>
+                <a:latin typeface="Consolas" panose="020B0609020204030204" pitchFamily="49" charset="0"/>
+              </a:rPr>
+              <a:t> builder = </a:t>
+            </a:r>
+            <a:r>
+              <a:rPr lang="en-US" dirty="0">
+                <a:solidFill>
+                  <a:srgbClr val="0000FF"/>
+                </a:solidFill>
+                <a:latin typeface="Consolas" panose="020B0609020204030204" pitchFamily="49" charset="0"/>
+              </a:rPr>
+              <a:t>new</a:t>
+            </a:r>
+            <a:r>
+              <a:rPr lang="en-US" dirty="0">
+                <a:solidFill>
+                  <a:srgbClr val="000000"/>
+                </a:solidFill>
+                <a:latin typeface="Consolas" panose="020B0609020204030204" pitchFamily="49" charset="0"/>
+              </a:rPr>
+              <a:t> </a:t>
+            </a:r>
+            <a:r>
+              <a:rPr lang="en-US" dirty="0" err="1">
+                <a:solidFill>
+                  <a:srgbClr val="2B91AF"/>
+                </a:solidFill>
+                <a:latin typeface="Consolas" panose="020B0609020204030204" pitchFamily="49" charset="0"/>
+              </a:rPr>
+              <a:t>DbContextOptionsBuilder</a:t>
+            </a:r>
+            <a:r>
+              <a:rPr lang="en-US" dirty="0">
+                <a:solidFill>
+                  <a:srgbClr val="000000"/>
+                </a:solidFill>
+                <a:latin typeface="Consolas" panose="020B0609020204030204" pitchFamily="49" charset="0"/>
+              </a:rPr>
+              <a:t>&lt;</a:t>
+            </a:r>
+            <a:r>
+              <a:rPr lang="en-US" dirty="0" err="1">
+                <a:solidFill>
+                  <a:srgbClr val="2B91AF"/>
+                </a:solidFill>
+                <a:latin typeface="Consolas" panose="020B0609020204030204" pitchFamily="49" charset="0"/>
+              </a:rPr>
+              <a:t>FuturamaContext</a:t>
+            </a:r>
+            <a:r>
+              <a:rPr lang="en-US" dirty="0">
+                <a:solidFill>
+                  <a:srgbClr val="000000"/>
+                </a:solidFill>
+                <a:latin typeface="Consolas" panose="020B0609020204030204" pitchFamily="49" charset="0"/>
+              </a:rPr>
+              <a:t>&gt;()</a:t>
+            </a:r>
+          </a:p>
+          <a:p>
+            <a:r>
+              <a:rPr lang="en-US" dirty="0">
+                <a:solidFill>
+                  <a:srgbClr val="000000"/>
+                </a:solidFill>
+                <a:latin typeface="Consolas" panose="020B0609020204030204" pitchFamily="49" charset="0"/>
+              </a:rPr>
+              <a:t>               .</a:t>
+            </a:r>
+            <a:r>
+              <a:rPr lang="en-US" dirty="0" err="1">
+                <a:solidFill>
+                  <a:srgbClr val="000000"/>
+                </a:solidFill>
+                <a:latin typeface="Consolas" panose="020B0609020204030204" pitchFamily="49" charset="0"/>
+              </a:rPr>
+              <a:t>UseInMemoryDatabase</a:t>
+            </a:r>
+            <a:r>
+              <a:rPr lang="en-US" dirty="0">
+                <a:solidFill>
+                  <a:srgbClr val="000000"/>
+                </a:solidFill>
+                <a:latin typeface="Consolas" panose="020B0609020204030204" pitchFamily="49" charset="0"/>
+              </a:rPr>
+              <a:t>(</a:t>
+            </a:r>
+            <a:r>
+              <a:rPr lang="en-US" dirty="0" err="1">
+                <a:solidFill>
+                  <a:srgbClr val="000000"/>
+                </a:solidFill>
+                <a:latin typeface="Consolas" panose="020B0609020204030204" pitchFamily="49" charset="0"/>
+              </a:rPr>
+              <a:t>databaseName</a:t>
+            </a:r>
+            <a:r>
+              <a:rPr lang="en-US" dirty="0">
+                <a:solidFill>
+                  <a:srgbClr val="000000"/>
+                </a:solidFill>
+                <a:latin typeface="Consolas" panose="020B0609020204030204" pitchFamily="49" charset="0"/>
+              </a:rPr>
+              <a:t>: </a:t>
+            </a:r>
+            <a:r>
+              <a:rPr lang="en-US" dirty="0" err="1">
+                <a:solidFill>
+                  <a:srgbClr val="0000FF"/>
+                </a:solidFill>
+                <a:latin typeface="Consolas" panose="020B0609020204030204" pitchFamily="49" charset="0"/>
+              </a:rPr>
+              <a:t>nameof</a:t>
+            </a:r>
+            <a:r>
+              <a:rPr lang="en-US" dirty="0">
+                <a:solidFill>
+                  <a:srgbClr val="000000"/>
+                </a:solidFill>
+                <a:latin typeface="Consolas" panose="020B0609020204030204" pitchFamily="49" charset="0"/>
+              </a:rPr>
+              <a:t>(&lt;name&gt;));</a:t>
+            </a:r>
+          </a:p>
+          <a:p>
+            <a:endParaRPr lang="da-DK" dirty="0">
+              <a:solidFill>
+                <a:srgbClr val="000000"/>
+              </a:solidFill>
+              <a:latin typeface="Consolas" panose="020B0609020204030204" pitchFamily="49" charset="0"/>
+            </a:endParaRPr>
+          </a:p>
+          <a:p>
+            <a:r>
+              <a:rPr lang="en-US" dirty="0">
+                <a:solidFill>
+                  <a:srgbClr val="008000"/>
+                </a:solidFill>
+                <a:latin typeface="Consolas" panose="020B0609020204030204" pitchFamily="49" charset="0"/>
+              </a:rPr>
+              <a:t>// SQLite:</a:t>
+            </a:r>
+            <a:endParaRPr lang="en-US" dirty="0">
+              <a:solidFill>
+                <a:srgbClr val="000000"/>
+              </a:solidFill>
+              <a:latin typeface="Consolas" panose="020B0609020204030204" pitchFamily="49" charset="0"/>
+            </a:endParaRPr>
+          </a:p>
+          <a:p>
+            <a:r>
+              <a:rPr lang="en-US" dirty="0" err="1">
+                <a:solidFill>
+                  <a:srgbClr val="0000FF"/>
+                </a:solidFill>
+                <a:latin typeface="Consolas" panose="020B0609020204030204" pitchFamily="49" charset="0"/>
+              </a:rPr>
+              <a:t>var</a:t>
+            </a:r>
+            <a:r>
+              <a:rPr lang="en-US" dirty="0">
+                <a:solidFill>
+                  <a:srgbClr val="000000"/>
+                </a:solidFill>
+                <a:latin typeface="Consolas" panose="020B0609020204030204" pitchFamily="49" charset="0"/>
+              </a:rPr>
+              <a:t> connection = </a:t>
+            </a:r>
+            <a:r>
+              <a:rPr lang="en-US" dirty="0">
+                <a:solidFill>
+                  <a:srgbClr val="0000FF"/>
+                </a:solidFill>
+                <a:latin typeface="Consolas" panose="020B0609020204030204" pitchFamily="49" charset="0"/>
+              </a:rPr>
+              <a:t>new</a:t>
+            </a:r>
+            <a:r>
+              <a:rPr lang="en-US" dirty="0">
+                <a:solidFill>
+                  <a:srgbClr val="000000"/>
+                </a:solidFill>
+                <a:latin typeface="Consolas" panose="020B0609020204030204" pitchFamily="49" charset="0"/>
+              </a:rPr>
+              <a:t> </a:t>
+            </a:r>
+            <a:r>
+              <a:rPr lang="en-US" dirty="0" err="1">
+                <a:solidFill>
+                  <a:srgbClr val="000000"/>
+                </a:solidFill>
+                <a:latin typeface="Consolas" panose="020B0609020204030204" pitchFamily="49" charset="0"/>
+              </a:rPr>
+              <a:t>SqliteConnection</a:t>
+            </a:r>
+            <a:r>
+              <a:rPr lang="en-US" dirty="0">
+                <a:solidFill>
+                  <a:srgbClr val="000000"/>
+                </a:solidFill>
+                <a:latin typeface="Consolas" panose="020B0609020204030204" pitchFamily="49" charset="0"/>
+              </a:rPr>
+              <a:t>(</a:t>
+            </a:r>
+            <a:r>
+              <a:rPr lang="en-US" dirty="0">
+                <a:solidFill>
+                  <a:srgbClr val="A31515"/>
+                </a:solidFill>
+                <a:latin typeface="Consolas" panose="020B0609020204030204" pitchFamily="49" charset="0"/>
+              </a:rPr>
+              <a:t>"</a:t>
+            </a:r>
+            <a:r>
+              <a:rPr lang="en-US" dirty="0" err="1">
+                <a:solidFill>
+                  <a:srgbClr val="A31515"/>
+                </a:solidFill>
+                <a:latin typeface="Consolas" panose="020B0609020204030204" pitchFamily="49" charset="0"/>
+              </a:rPr>
+              <a:t>DataSource</a:t>
+            </a:r>
+            <a:r>
+              <a:rPr lang="en-US" dirty="0">
+                <a:solidFill>
+                  <a:srgbClr val="A31515"/>
+                </a:solidFill>
+                <a:latin typeface="Consolas" panose="020B0609020204030204" pitchFamily="49" charset="0"/>
+              </a:rPr>
+              <a:t>=:memory:"</a:t>
+            </a:r>
+            <a:r>
+              <a:rPr lang="en-US" dirty="0">
+                <a:solidFill>
+                  <a:srgbClr val="000000"/>
+                </a:solidFill>
+                <a:latin typeface="Consolas" panose="020B0609020204030204" pitchFamily="49" charset="0"/>
+              </a:rPr>
+              <a:t>);</a:t>
+            </a:r>
+          </a:p>
+          <a:p>
+            <a:r>
+              <a:rPr lang="en-US" dirty="0" err="1">
+                <a:solidFill>
+                  <a:srgbClr val="000000"/>
+                </a:solidFill>
+                <a:latin typeface="Consolas" panose="020B0609020204030204" pitchFamily="49" charset="0"/>
+              </a:rPr>
+              <a:t>connection.Open</a:t>
+            </a:r>
+            <a:r>
+              <a:rPr lang="en-US" dirty="0">
+                <a:solidFill>
+                  <a:srgbClr val="000000"/>
+                </a:solidFill>
+                <a:latin typeface="Consolas" panose="020B0609020204030204" pitchFamily="49" charset="0"/>
+              </a:rPr>
+              <a:t>();</a:t>
+            </a:r>
+          </a:p>
+          <a:p>
+            <a:endParaRPr lang="en-US" dirty="0">
+              <a:solidFill>
+                <a:srgbClr val="000000"/>
+              </a:solidFill>
+              <a:latin typeface="Consolas" panose="020B0609020204030204" pitchFamily="49" charset="0"/>
+            </a:endParaRPr>
+          </a:p>
+          <a:p>
+            <a:r>
+              <a:rPr lang="en-US" dirty="0" err="1">
+                <a:solidFill>
+                  <a:srgbClr val="0000FF"/>
+                </a:solidFill>
+                <a:latin typeface="Consolas" panose="020B0609020204030204" pitchFamily="49" charset="0"/>
+              </a:rPr>
+              <a:t>var</a:t>
+            </a:r>
+            <a:r>
+              <a:rPr lang="en-US" dirty="0">
+                <a:solidFill>
+                  <a:srgbClr val="000000"/>
+                </a:solidFill>
+                <a:latin typeface="Consolas" panose="020B0609020204030204" pitchFamily="49" charset="0"/>
+              </a:rPr>
+              <a:t> builder = </a:t>
+            </a:r>
+            <a:r>
+              <a:rPr lang="en-US" dirty="0">
+                <a:solidFill>
+                  <a:srgbClr val="0000FF"/>
+                </a:solidFill>
+                <a:latin typeface="Consolas" panose="020B0609020204030204" pitchFamily="49" charset="0"/>
+              </a:rPr>
+              <a:t>new</a:t>
+            </a:r>
+            <a:r>
+              <a:rPr lang="en-US" dirty="0">
+                <a:solidFill>
+                  <a:srgbClr val="000000"/>
+                </a:solidFill>
+                <a:latin typeface="Consolas" panose="020B0609020204030204" pitchFamily="49" charset="0"/>
+              </a:rPr>
+              <a:t> </a:t>
+            </a:r>
+            <a:r>
+              <a:rPr lang="en-US" dirty="0" err="1">
+                <a:solidFill>
+                  <a:srgbClr val="2B91AF"/>
+                </a:solidFill>
+                <a:latin typeface="Consolas" panose="020B0609020204030204" pitchFamily="49" charset="0"/>
+              </a:rPr>
+              <a:t>DbContextOptionsBuilder</a:t>
+            </a:r>
+            <a:r>
+              <a:rPr lang="en-US" dirty="0">
+                <a:solidFill>
+                  <a:srgbClr val="000000"/>
+                </a:solidFill>
+                <a:latin typeface="Consolas" panose="020B0609020204030204" pitchFamily="49" charset="0"/>
+              </a:rPr>
+              <a:t>&lt;</a:t>
+            </a:r>
+            <a:r>
+              <a:rPr lang="en-US" dirty="0" err="1">
+                <a:solidFill>
+                  <a:srgbClr val="2B91AF"/>
+                </a:solidFill>
+                <a:latin typeface="Consolas" panose="020B0609020204030204" pitchFamily="49" charset="0"/>
+              </a:rPr>
+              <a:t>FuturamaContext</a:t>
+            </a:r>
+            <a:r>
+              <a:rPr lang="en-US" dirty="0">
+                <a:solidFill>
+                  <a:srgbClr val="000000"/>
+                </a:solidFill>
+                <a:latin typeface="Consolas" panose="020B0609020204030204" pitchFamily="49" charset="0"/>
+              </a:rPr>
+              <a:t>&gt;()</a:t>
+            </a:r>
+          </a:p>
+          <a:p>
+            <a:r>
+              <a:rPr lang="en-US" dirty="0">
+                <a:solidFill>
+                  <a:srgbClr val="000000"/>
+                </a:solidFill>
+                <a:latin typeface="Consolas" panose="020B0609020204030204" pitchFamily="49" charset="0"/>
+              </a:rPr>
+              <a:t>              .</a:t>
+            </a:r>
+            <a:r>
+              <a:rPr lang="en-US" dirty="0" err="1">
+                <a:solidFill>
+                  <a:srgbClr val="000000"/>
+                </a:solidFill>
+                <a:latin typeface="Consolas" panose="020B0609020204030204" pitchFamily="49" charset="0"/>
+              </a:rPr>
+              <a:t>UseSqlite</a:t>
+            </a:r>
+            <a:r>
+              <a:rPr lang="en-US" dirty="0">
+                <a:solidFill>
+                  <a:srgbClr val="000000"/>
+                </a:solidFill>
+                <a:latin typeface="Consolas" panose="020B0609020204030204" pitchFamily="49" charset="0"/>
+              </a:rPr>
+              <a:t>(connection);</a:t>
+            </a:r>
+          </a:p>
+          <a:p>
+            <a:endParaRPr lang="en-US" dirty="0">
+              <a:solidFill>
+                <a:srgbClr val="000000"/>
+              </a:solidFill>
+              <a:latin typeface="Consolas" panose="020B0609020204030204" pitchFamily="49" charset="0"/>
+            </a:endParaRPr>
+          </a:p>
+          <a:p>
+            <a:r>
+              <a:rPr lang="en-US" dirty="0" err="1">
+                <a:solidFill>
+                  <a:srgbClr val="0000FF"/>
+                </a:solidFill>
+                <a:latin typeface="Consolas" panose="020B0609020204030204" pitchFamily="49" charset="0"/>
+              </a:rPr>
+              <a:t>var</a:t>
+            </a:r>
+            <a:r>
+              <a:rPr lang="en-US" dirty="0">
+                <a:solidFill>
+                  <a:srgbClr val="000000"/>
+                </a:solidFill>
+                <a:latin typeface="Consolas" panose="020B0609020204030204" pitchFamily="49" charset="0"/>
+              </a:rPr>
+              <a:t> context = </a:t>
+            </a:r>
+            <a:r>
+              <a:rPr lang="en-US" dirty="0">
+                <a:solidFill>
+                  <a:srgbClr val="0000FF"/>
+                </a:solidFill>
+                <a:latin typeface="Consolas" panose="020B0609020204030204" pitchFamily="49" charset="0"/>
+              </a:rPr>
+              <a:t>new</a:t>
+            </a:r>
+            <a:r>
+              <a:rPr lang="en-US" dirty="0">
+                <a:solidFill>
+                  <a:srgbClr val="000000"/>
+                </a:solidFill>
+                <a:latin typeface="Consolas" panose="020B0609020204030204" pitchFamily="49" charset="0"/>
+              </a:rPr>
+              <a:t> </a:t>
+            </a:r>
+            <a:r>
+              <a:rPr lang="en-US" dirty="0" err="1">
+                <a:solidFill>
+                  <a:srgbClr val="2B91AF"/>
+                </a:solidFill>
+                <a:latin typeface="Consolas" panose="020B0609020204030204" pitchFamily="49" charset="0"/>
+              </a:rPr>
+              <a:t>FuturamaContext</a:t>
+            </a:r>
+            <a:r>
+              <a:rPr lang="en-US" dirty="0">
+                <a:solidFill>
+                  <a:srgbClr val="000000"/>
+                </a:solidFill>
+                <a:latin typeface="Consolas" panose="020B0609020204030204" pitchFamily="49" charset="0"/>
+              </a:rPr>
+              <a:t>(</a:t>
+            </a:r>
+            <a:r>
+              <a:rPr lang="en-US" dirty="0" err="1">
+                <a:solidFill>
+                  <a:srgbClr val="000000"/>
+                </a:solidFill>
+                <a:latin typeface="Consolas" panose="020B0609020204030204" pitchFamily="49" charset="0"/>
+              </a:rPr>
+              <a:t>builder.Options</a:t>
+            </a:r>
+            <a:r>
+              <a:rPr lang="en-US" dirty="0">
+                <a:solidFill>
+                  <a:srgbClr val="000000"/>
+                </a:solidFill>
+                <a:latin typeface="Consolas" panose="020B0609020204030204" pitchFamily="49" charset="0"/>
+              </a:rPr>
+              <a:t>);</a:t>
+            </a:r>
+          </a:p>
+          <a:p>
+            <a:r>
+              <a:rPr lang="en-US" dirty="0" err="1">
+                <a:solidFill>
+                  <a:srgbClr val="000000"/>
+                </a:solidFill>
+                <a:latin typeface="Consolas" panose="020B0609020204030204" pitchFamily="49" charset="0"/>
+              </a:rPr>
+              <a:t>context.Database.EnsureCreated</a:t>
+            </a:r>
+            <a:r>
+              <a:rPr lang="en-US" dirty="0">
+                <a:solidFill>
+                  <a:srgbClr val="000000"/>
+                </a:solidFill>
+                <a:latin typeface="Consolas" panose="020B0609020204030204" pitchFamily="49" charset="0"/>
+              </a:rPr>
+              <a:t>();</a:t>
+            </a:r>
+            <a:endParaRPr lang="en-US" dirty="0"/>
+          </a:p>
+        </p:txBody>
+      </p:sp>
+      <p:sp>
+        <p:nvSpPr>
+          <p:cNvPr id="5" name="Title 1">
+            <a:extLst>
+              <a:ext uri="{FF2B5EF4-FFF2-40B4-BE49-F238E27FC236}">
+                <a16:creationId xmlns:a16="http://schemas.microsoft.com/office/drawing/2014/main" id="{E6DBCF4B-E1F6-4B8E-8370-48173BCC7950}"/>
+              </a:ext>
+            </a:extLst>
+          </p:cNvPr>
+          <p:cNvSpPr>
+            <a:spLocks noGrp="1"/>
+          </p:cNvSpPr>
+          <p:nvPr>
+            <p:ph type="title"/>
+          </p:nvPr>
+        </p:nvSpPr>
+        <p:spPr>
+          <a:xfrm>
+            <a:off x="273050" y="295275"/>
+            <a:ext cx="8778875" cy="917575"/>
+          </a:xfrm>
+        </p:spPr>
+        <p:txBody>
+          <a:bodyPr/>
+          <a:lstStyle/>
+          <a:p>
+            <a:r>
+              <a:rPr lang="da-DK" dirty="0">
+                <a:solidFill>
+                  <a:schemeClr val="bg1"/>
+                </a:solidFill>
+              </a:rPr>
+              <a:t>In Memory Database</a:t>
+            </a:r>
+          </a:p>
+        </p:txBody>
+      </p:sp>
+    </p:spTree>
+    <p:extLst>
+      <p:ext uri="{BB962C8B-B14F-4D97-AF65-F5344CB8AC3E}">
+        <p14:creationId xmlns:p14="http://schemas.microsoft.com/office/powerpoint/2010/main" val="1997631093"/>
+      </p:ext>
+    </p:extLst>
+  </p:cSld>
+  <p:clrMapOvr>
+    <a:masterClrMapping/>
+  </p:clrMapOvr>
+  <p:transition>
+    <p:fade/>
+  </p:transition>
+</p:sld>
+</file>
+
+<file path=ppt/slides/slide22.xml><?xml version="1.0" encoding="utf-8"?>
+<p:sld xmlns:a="http://schemas.openxmlformats.org/drawingml/2006/main" xmlns:r="http://schemas.openxmlformats.org/officeDocument/2006/relationships" xmlns:p="http://schemas.openxmlformats.org/presentationml/2006/main">
+  <p:cSld>
+    <p:bg>
+      <p:bgPr>
+        <a:solidFill>
           <a:srgbClr val="505050"/>
         </a:solidFill>
         <a:effectLst/>
@@ -10515,7 +11151,7 @@
 </p:sld>
 </file>
 
-<file path=ppt/slides/slide22.xml><?xml version="1.0" encoding="utf-8"?>
+<file path=ppt/slides/slide23.xml><?xml version="1.0" encoding="utf-8"?>
 <p:sld xmlns:a="http://schemas.openxmlformats.org/drawingml/2006/main" xmlns:r="http://schemas.openxmlformats.org/officeDocument/2006/relationships" xmlns:p="http://schemas.openxmlformats.org/presentationml/2006/main">
   <p:cSld>
     <p:bg>
@@ -15475,58 +16111,12 @@
 </file>
 
 <file path=customXml/item1.xml><?xml version="1.0" encoding="utf-8"?>
-<p:properties xmlns:p="http://schemas.microsoft.com/office/2006/metadata/properties" xmlns:xsi="http://www.w3.org/2001/XMLSchema-instance" xmlns:pc="http://schemas.microsoft.com/office/infopath/2007/PartnerControls">
-  <documentManagement>
-    <TrackTaxHTField0 xmlns="2295e2e7-0eeb-498e-8716-217bb2ee6ee3">
-      <Terms xmlns="http://schemas.microsoft.com/office/infopath/2007/PartnerControls"/>
-    </TrackTaxHTField0>
-    <CampaignTaxHTField0 xmlns="2295e2e7-0eeb-498e-8716-217bb2ee6ee3">
-      <Terms xmlns="http://schemas.microsoft.com/office/infopath/2007/PartnerControls"/>
-    </CampaignTaxHTField0>
-    <Event_x0020_End_x0020_Date xmlns="2295e2e7-0eeb-498e-8716-217bb2ee6ee3" xsi:nil="true"/>
-    <Event_x0020_Start_x0020_Date xmlns="2295e2e7-0eeb-498e-8716-217bb2ee6ee3" xsi:nil="true"/>
-    <MS_x0020_Speaker xmlns="2295e2e7-0eeb-498e-8716-217bb2ee6ee3">
-      <UserInfo>
-        <DisplayName/>
-        <AccountId xsi:nil="true"/>
-        <AccountType/>
-      </UserInfo>
-    </MS_x0020_Speaker>
-    <External_x0020_Speaker xmlns="2295e2e7-0eeb-498e-8716-217bb2ee6ee3" xsi:nil="true"/>
-    <Session_x0020_Code xmlns="2295e2e7-0eeb-498e-8716-217bb2ee6ee3" xsi:nil="true"/>
-    <ProductTaxHTField0 xmlns="2295e2e7-0eeb-498e-8716-217bb2ee6ee3">
-      <Terms xmlns="http://schemas.microsoft.com/office/infopath/2007/PartnerControls"/>
-    </ProductTaxHTField0>
-    <Presentation_x0020_Date xmlns="2295e2e7-0eeb-498e-8716-217bb2ee6ee3" xsi:nil="true"/>
-    <Event_x0020_LocationTaxHTField0 xmlns="2295e2e7-0eeb-498e-8716-217bb2ee6ee3">
-      <Terms xmlns="http://schemas.microsoft.com/office/infopath/2007/PartnerControls"/>
-    </Event_x0020_LocationTaxHTField0>
-    <Event1TaxHTField0 xmlns="2295e2e7-0eeb-498e-8716-217bb2ee6ee3">
-      <Terms xmlns="http://schemas.microsoft.com/office/infopath/2007/PartnerControls">
-        <TermInfo xmlns="http://schemas.microsoft.com/office/infopath/2007/PartnerControls">
-          <TermName xmlns="http://schemas.microsoft.com/office/infopath/2007/PartnerControls">Unassigned</TermName>
-          <TermId xmlns="http://schemas.microsoft.com/office/infopath/2007/PartnerControls">e51362f4-782c-41a8-bb7b-e0cfc8669933</TermId>
-        </TermInfo>
-      </Terms>
-    </Event1TaxHTField0>
-    <AudienceTaxHTField0 xmlns="8b529f77-48ab-4581-b468-93f09345b8aa">
-      <Terms xmlns="http://schemas.microsoft.com/office/infopath/2007/PartnerControls"/>
-    </AudienceTaxHTField0>
-    <MS_x0020_Content_x0020_Owner xmlns="2295e2e7-0eeb-498e-8716-217bb2ee6ee3">
-      <UserInfo>
-        <DisplayName/>
-        <AccountId xsi:nil="true"/>
-        <AccountType/>
-      </UserInfo>
-    </MS_x0020_Content_x0020_Owner>
-    <TaxCatchAll xmlns="2295e2e7-0eeb-498e-8716-217bb2ee6ee3">
-      <Value>217</Value>
-    </TaxCatchAll>
-    <Event_x0020_VenueTaxHTField0 xmlns="2295e2e7-0eeb-498e-8716-217bb2ee6ee3">
-      <Terms xmlns="http://schemas.microsoft.com/office/infopath/2007/PartnerControls"/>
-    </Event_x0020_VenueTaxHTField0>
-  </documentManagement>
-</p:properties>
+<?mso-contentType ?>
+<FormTemplates xmlns="http://schemas.microsoft.com/sharepoint/v3/contenttype/forms">
+  <Display>DocumentLibraryForm</Display>
+  <Edit>DocumentLibraryForm</Edit>
+  <New>DocumentLibraryForm</New>
+</FormTemplates>
 </file>
 
 <file path=customXml/item2.xml><?xml version="1.0" encoding="utf-8"?>
@@ -15809,27 +16399,64 @@
 </file>
 
 <file path=customXml/item3.xml><?xml version="1.0" encoding="utf-8"?>
-<?mso-contentType ?>
-<FormTemplates xmlns="http://schemas.microsoft.com/sharepoint/v3/contenttype/forms">
-  <Display>DocumentLibraryForm</Display>
-  <Edit>DocumentLibraryForm</Edit>
-  <New>DocumentLibraryForm</New>
-</FormTemplates>
+<p:properties xmlns:p="http://schemas.microsoft.com/office/2006/metadata/properties" xmlns:xsi="http://www.w3.org/2001/XMLSchema-instance" xmlns:pc="http://schemas.microsoft.com/office/infopath/2007/PartnerControls">
+  <documentManagement>
+    <TrackTaxHTField0 xmlns="2295e2e7-0eeb-498e-8716-217bb2ee6ee3">
+      <Terms xmlns="http://schemas.microsoft.com/office/infopath/2007/PartnerControls"/>
+    </TrackTaxHTField0>
+    <CampaignTaxHTField0 xmlns="2295e2e7-0eeb-498e-8716-217bb2ee6ee3">
+      <Terms xmlns="http://schemas.microsoft.com/office/infopath/2007/PartnerControls"/>
+    </CampaignTaxHTField0>
+    <Event_x0020_End_x0020_Date xmlns="2295e2e7-0eeb-498e-8716-217bb2ee6ee3" xsi:nil="true"/>
+    <Event_x0020_Start_x0020_Date xmlns="2295e2e7-0eeb-498e-8716-217bb2ee6ee3" xsi:nil="true"/>
+    <MS_x0020_Speaker xmlns="2295e2e7-0eeb-498e-8716-217bb2ee6ee3">
+      <UserInfo>
+        <DisplayName/>
+        <AccountId xsi:nil="true"/>
+        <AccountType/>
+      </UserInfo>
+    </MS_x0020_Speaker>
+    <External_x0020_Speaker xmlns="2295e2e7-0eeb-498e-8716-217bb2ee6ee3" xsi:nil="true"/>
+    <Session_x0020_Code xmlns="2295e2e7-0eeb-498e-8716-217bb2ee6ee3" xsi:nil="true"/>
+    <ProductTaxHTField0 xmlns="2295e2e7-0eeb-498e-8716-217bb2ee6ee3">
+      <Terms xmlns="http://schemas.microsoft.com/office/infopath/2007/PartnerControls"/>
+    </ProductTaxHTField0>
+    <Presentation_x0020_Date xmlns="2295e2e7-0eeb-498e-8716-217bb2ee6ee3" xsi:nil="true"/>
+    <Event_x0020_LocationTaxHTField0 xmlns="2295e2e7-0eeb-498e-8716-217bb2ee6ee3">
+      <Terms xmlns="http://schemas.microsoft.com/office/infopath/2007/PartnerControls"/>
+    </Event_x0020_LocationTaxHTField0>
+    <Event1TaxHTField0 xmlns="2295e2e7-0eeb-498e-8716-217bb2ee6ee3">
+      <Terms xmlns="http://schemas.microsoft.com/office/infopath/2007/PartnerControls">
+        <TermInfo xmlns="http://schemas.microsoft.com/office/infopath/2007/PartnerControls">
+          <TermName xmlns="http://schemas.microsoft.com/office/infopath/2007/PartnerControls">Unassigned</TermName>
+          <TermId xmlns="http://schemas.microsoft.com/office/infopath/2007/PartnerControls">e51362f4-782c-41a8-bb7b-e0cfc8669933</TermId>
+        </TermInfo>
+      </Terms>
+    </Event1TaxHTField0>
+    <AudienceTaxHTField0 xmlns="8b529f77-48ab-4581-b468-93f09345b8aa">
+      <Terms xmlns="http://schemas.microsoft.com/office/infopath/2007/PartnerControls"/>
+    </AudienceTaxHTField0>
+    <MS_x0020_Content_x0020_Owner xmlns="2295e2e7-0eeb-498e-8716-217bb2ee6ee3">
+      <UserInfo>
+        <DisplayName/>
+        <AccountId xsi:nil="true"/>
+        <AccountType/>
+      </UserInfo>
+    </MS_x0020_Content_x0020_Owner>
+    <TaxCatchAll xmlns="2295e2e7-0eeb-498e-8716-217bb2ee6ee3">
+      <Value>217</Value>
+    </TaxCatchAll>
+    <Event_x0020_VenueTaxHTField0 xmlns="2295e2e7-0eeb-498e-8716-217bb2ee6ee3">
+      <Terms xmlns="http://schemas.microsoft.com/office/infopath/2007/PartnerControls"/>
+    </Event_x0020_VenueTaxHTField0>
+  </documentManagement>
+</p:properties>
 </file>
 
 <file path=customXml/itemProps1.xml><?xml version="1.0" encoding="utf-8"?>
-<ds:datastoreItem xmlns:ds="http://schemas.openxmlformats.org/officeDocument/2006/customXml" ds:itemID="{F990F116-B58F-4255-B05B-DA3808E0E5C6}">
+<ds:datastoreItem xmlns:ds="http://schemas.openxmlformats.org/officeDocument/2006/customXml" ds:itemID="{758FDAC0-319D-4A54-8D8E-1D42CB1F8004}">
   <ds:schemaRefs>
-    <ds:schemaRef ds:uri="http://schemas.microsoft.com/office/2006/documentManagement/types"/>
-    <ds:schemaRef ds:uri="http://purl.org/dc/dcmitype/"/>
-    <ds:schemaRef ds:uri="http://schemas.openxmlformats.org/package/2006/metadata/core-properties"/>
-    <ds:schemaRef ds:uri="http://purl.org/dc/elements/1.1/"/>
-    <ds:schemaRef ds:uri="http://schemas.microsoft.com/office/2006/metadata/properties"/>
-    <ds:schemaRef ds:uri="http://schemas.microsoft.com/office/infopath/2007/PartnerControls"/>
-    <ds:schemaRef ds:uri="8b529f77-48ab-4581-b468-93f09345b8aa"/>
-    <ds:schemaRef ds:uri="2295e2e7-0eeb-498e-8716-217bb2ee6ee3"/>
-    <ds:schemaRef ds:uri="http://www.w3.org/XML/1998/namespace"/>
-    <ds:schemaRef ds:uri="http://purl.org/dc/terms/"/>
+    <ds:schemaRef ds:uri="http://schemas.microsoft.com/sharepoint/v3/contenttype/forms"/>
   </ds:schemaRefs>
 </ds:datastoreItem>
 </file>
@@ -15854,9 +16481,18 @@
 </file>
 
 <file path=customXml/itemProps3.xml><?xml version="1.0" encoding="utf-8"?>
-<ds:datastoreItem xmlns:ds="http://schemas.openxmlformats.org/officeDocument/2006/customXml" ds:itemID="{758FDAC0-319D-4A54-8D8E-1D42CB1F8004}">
+<ds:datastoreItem xmlns:ds="http://schemas.openxmlformats.org/officeDocument/2006/customXml" ds:itemID="{F990F116-B58F-4255-B05B-DA3808E0E5C6}">
   <ds:schemaRefs>
-    <ds:schemaRef ds:uri="http://schemas.microsoft.com/sharepoint/v3/contenttype/forms"/>
+    <ds:schemaRef ds:uri="http://schemas.microsoft.com/office/2006/documentManagement/types"/>
+    <ds:schemaRef ds:uri="http://purl.org/dc/dcmitype/"/>
+    <ds:schemaRef ds:uri="http://schemas.openxmlformats.org/package/2006/metadata/core-properties"/>
+    <ds:schemaRef ds:uri="http://purl.org/dc/elements/1.1/"/>
+    <ds:schemaRef ds:uri="http://schemas.microsoft.com/office/2006/metadata/properties"/>
+    <ds:schemaRef ds:uri="http://schemas.microsoft.com/office/infopath/2007/PartnerControls"/>
+    <ds:schemaRef ds:uri="8b529f77-48ab-4581-b468-93f09345b8aa"/>
+    <ds:schemaRef ds:uri="2295e2e7-0eeb-498e-8716-217bb2ee6ee3"/>
+    <ds:schemaRef ds:uri="http://www.w3.org/XML/1998/namespace"/>
+    <ds:schemaRef ds:uri="http://purl.org/dc/terms/"/>
   </ds:schemaRefs>
 </ds:datastoreItem>
 </file>